--- a/FMS737_overview.pptx
+++ b/FMS737_overview.pptx
@@ -104,6 +104,11 @@
       </a:defRPr>
     </a:lvl9pPr>
   </p:defaultTextStyle>
+  <p:extLst>
+    <p:ext uri="{EFAFB233-063F-42B5-8137-9DF3F51BA10A}">
+      <p15:sldGuideLst xmlns:p15="http://schemas.microsoft.com/office/powerpoint/2012/main"/>
+    </p:ext>
+  </p:extLst>
 </p:presentation>
 </file>
 
@@ -3924,6 +3929,209 @@
           </a:prstGeom>
         </p:spPr>
       </p:pic>
+      <p:sp>
+        <p:nvSpPr>
+          <p:cNvPr id="2" name="TekstSylinder 1">
+            <a:extLst>
+              <a:ext uri="{FF2B5EF4-FFF2-40B4-BE49-F238E27FC236}">
+                <a16:creationId xmlns:a16="http://schemas.microsoft.com/office/drawing/2014/main" id="{B9224906-450E-53FF-6C31-621CF426B110}"/>
+              </a:ext>
+            </a:extLst>
+          </p:cNvPr>
+          <p:cNvSpPr txBox="1"/>
+          <p:nvPr/>
+        </p:nvSpPr>
+        <p:spPr>
+          <a:xfrm>
+            <a:off x="559859" y="1771644"/>
+            <a:ext cx="978088" cy="276999"/>
+          </a:xfrm>
+          <a:prstGeom prst="rect">
+            <a:avLst/>
+          </a:prstGeom>
+          <a:noFill/>
+        </p:spPr>
+        <p:txBody>
+          <a:bodyPr wrap="none" rtlCol="0">
+            <a:spAutoFit/>
+          </a:bodyPr>
+          <a:lstStyle/>
+          <a:p>
+            <a:r>
+              <a:rPr lang="nb-NO" sz="1200" b="1" dirty="0"/>
+              <a:t>PC – </a:t>
+            </a:r>
+            <a:r>
+              <a:rPr lang="nb-NO" sz="1200" b="1" dirty="0" err="1"/>
+              <a:t>X</a:t>
+            </a:r>
+            <a:r>
+              <a:rPr lang="nb-NO" sz="1200" b="1" dirty="0"/>
+              <a:t>-Plane</a:t>
+            </a:r>
+          </a:p>
+        </p:txBody>
+      </p:sp>
+      <p:sp>
+        <p:nvSpPr>
+          <p:cNvPr id="3" name="TekstSylinder 2">
+            <a:extLst>
+              <a:ext uri="{FF2B5EF4-FFF2-40B4-BE49-F238E27FC236}">
+                <a16:creationId xmlns:a16="http://schemas.microsoft.com/office/drawing/2014/main" id="{702A4BC0-5441-BF40-445D-8F03A794793B}"/>
+              </a:ext>
+            </a:extLst>
+          </p:cNvPr>
+          <p:cNvSpPr txBox="1"/>
+          <p:nvPr/>
+        </p:nvSpPr>
+        <p:spPr>
+          <a:xfrm>
+            <a:off x="2092369" y="1407742"/>
+            <a:ext cx="741485" cy="276999"/>
+          </a:xfrm>
+          <a:prstGeom prst="rect">
+            <a:avLst/>
+          </a:prstGeom>
+          <a:noFill/>
+        </p:spPr>
+        <p:txBody>
+          <a:bodyPr wrap="none" rtlCol="0">
+            <a:spAutoFit/>
+          </a:bodyPr>
+          <a:lstStyle/>
+          <a:p>
+            <a:r>
+              <a:rPr lang="nb-NO" sz="1200" b="1" dirty="0"/>
+              <a:t>Nettverk</a:t>
+            </a:r>
+          </a:p>
+        </p:txBody>
+      </p:sp>
+      <p:sp>
+        <p:nvSpPr>
+          <p:cNvPr id="4" name="TekstSylinder 3">
+            <a:extLst>
+              <a:ext uri="{FF2B5EF4-FFF2-40B4-BE49-F238E27FC236}">
+                <a16:creationId xmlns:a16="http://schemas.microsoft.com/office/drawing/2014/main" id="{9CAE30CD-34D2-D7BD-2BA2-43DD0EEE0ABB}"/>
+              </a:ext>
+            </a:extLst>
+          </p:cNvPr>
+          <p:cNvSpPr txBox="1"/>
+          <p:nvPr/>
+        </p:nvSpPr>
+        <p:spPr>
+          <a:xfrm>
+            <a:off x="2804030" y="538240"/>
+            <a:ext cx="972317" cy="276999"/>
+          </a:xfrm>
+          <a:prstGeom prst="rect">
+            <a:avLst/>
+          </a:prstGeom>
+          <a:noFill/>
+        </p:spPr>
+        <p:txBody>
+          <a:bodyPr wrap="none" rtlCol="0">
+            <a:spAutoFit/>
+          </a:bodyPr>
+          <a:lstStyle/>
+          <a:p>
+            <a:r>
+              <a:rPr lang="nb-NO" sz="1200" b="1" dirty="0"/>
+              <a:t>Prosjektorer</a:t>
+            </a:r>
+          </a:p>
+        </p:txBody>
+      </p:sp>
+      <p:sp>
+        <p:nvSpPr>
+          <p:cNvPr id="6" name="TekstSylinder 5">
+            <a:extLst>
+              <a:ext uri="{FF2B5EF4-FFF2-40B4-BE49-F238E27FC236}">
+                <a16:creationId xmlns:a16="http://schemas.microsoft.com/office/drawing/2014/main" id="{762616F3-D1BA-E316-2298-D13BBD18B3D0}"/>
+              </a:ext>
+            </a:extLst>
+          </p:cNvPr>
+          <p:cNvSpPr txBox="1"/>
+          <p:nvPr/>
+        </p:nvSpPr>
+        <p:spPr>
+          <a:xfrm>
+            <a:off x="1121884" y="4985312"/>
+            <a:ext cx="1640385" cy="276999"/>
+          </a:xfrm>
+          <a:prstGeom prst="rect">
+            <a:avLst/>
+          </a:prstGeom>
+          <a:noFill/>
+        </p:spPr>
+        <p:txBody>
+          <a:bodyPr wrap="none" rtlCol="0">
+            <a:spAutoFit/>
+          </a:bodyPr>
+          <a:lstStyle/>
+          <a:p>
+            <a:r>
+              <a:rPr lang="nb-NO" sz="1200" b="1" dirty="0" err="1"/>
+              <a:t>Arduino</a:t>
+            </a:r>
+            <a:r>
+              <a:rPr lang="nb-NO" sz="1200" b="1" dirty="0"/>
+              <a:t> Mega for OVH</a:t>
+            </a:r>
+          </a:p>
+        </p:txBody>
+      </p:sp>
+      <p:sp>
+        <p:nvSpPr>
+          <p:cNvPr id="8" name="TekstSylinder 7">
+            <a:extLst>
+              <a:ext uri="{FF2B5EF4-FFF2-40B4-BE49-F238E27FC236}">
+                <a16:creationId xmlns:a16="http://schemas.microsoft.com/office/drawing/2014/main" id="{CCED29DA-3808-AEEC-2A06-FE574FA8234A}"/>
+              </a:ext>
+            </a:extLst>
+          </p:cNvPr>
+          <p:cNvSpPr txBox="1"/>
+          <p:nvPr/>
+        </p:nvSpPr>
+        <p:spPr>
+          <a:xfrm>
+            <a:off x="2472007" y="4454798"/>
+            <a:ext cx="1828386" cy="276999"/>
+          </a:xfrm>
+          <a:prstGeom prst="rect">
+            <a:avLst/>
+          </a:prstGeom>
+          <a:noFill/>
+        </p:spPr>
+        <p:txBody>
+          <a:bodyPr wrap="none" rtlCol="0">
+            <a:spAutoFit/>
+          </a:bodyPr>
+          <a:lstStyle/>
+          <a:p>
+            <a:r>
+              <a:rPr lang="nb-NO" sz="1200" b="1" dirty="0"/>
+              <a:t>7 </a:t>
+            </a:r>
+            <a:r>
+              <a:rPr lang="nb-NO" sz="1200" b="1" dirty="0" err="1"/>
+              <a:t>stk</a:t>
+            </a:r>
+            <a:r>
+              <a:rPr lang="nb-NO" sz="1200" b="1" dirty="0"/>
+              <a:t> </a:t>
+            </a:r>
+            <a:r>
+              <a:rPr lang="nb-NO" sz="1200" b="1" dirty="0" err="1"/>
+              <a:t>Multiplexere</a:t>
+            </a:r>
+            <a:r>
+              <a:rPr lang="nb-NO" sz="1200" b="1" dirty="0"/>
+              <a:t> til OVH</a:t>
+            </a:r>
+          </a:p>
+        </p:txBody>
+      </p:sp>
     </p:spTree>
     <p:extLst>
       <p:ext uri="{BB962C8B-B14F-4D97-AF65-F5344CB8AC3E}">
